--- a/nmtnote_1114.pptx
+++ b/nmtnote_1114.pptx
@@ -13,6 +13,7 @@
     <p:sldId id="260" r:id="rId7"/>
     <p:sldId id="261" r:id="rId8"/>
     <p:sldId id="263" r:id="rId9"/>
+    <p:sldId id="264" r:id="rId10"/>
   </p:sldIdLst>
   <p:sldSz cx="12192000" cy="6858000"/>
   <p:notesSz cx="6858000" cy="9144000"/>
@@ -11922,7 +11923,9 @@
         </p:nvSpPr>
         <p:spPr/>
         <p:txBody>
-          <a:bodyPr/>
+          <a:bodyPr>
+            <a:normAutofit lnSpcReduction="10000"/>
+          </a:bodyPr>
           <a:lstStyle/>
           <a:p>
             <a:r>
@@ -11955,21 +11958,19 @@
           <a:p>
             <a:r>
               <a:rPr lang="en-US" dirty="0"/>
-              <a:t>TA should post rubrics if he hasn't already. </a:t>
-            </a:r>
-          </a:p>
-          <a:p>
-            <a:r>
-              <a:rPr lang="en-US" dirty="0"/>
-              <a:t>There will be an opportunity for </a:t>
-            </a:r>
-            <a:r>
-              <a:rPr lang="en-US"/>
-              <a:t>regrade requests (but we may say no). </a:t>
-            </a:r>
-            <a:r>
-              <a:rPr lang="en-US" dirty="0"/>
-              <a:t>Bear with us</a:t>
+              <a:t>TA should post rubrics if he hasn't already (but see next slide). </a:t>
+            </a:r>
+          </a:p>
+          <a:p>
+            <a:r>
+              <a:rPr lang="en-US" dirty="0"/>
+              <a:t>There will be an opportunity for regrade requests (but we may say no). Bear with us</a:t>
+            </a:r>
+          </a:p>
+          <a:p>
+            <a:r>
+              <a:rPr lang="en-US" dirty="0"/>
+              <a:t>Last minute note: grades do look fishy. Mean of 73.5, someone got 110...stay tuned, need to check on this</a:t>
             </a:r>
           </a:p>
         </p:txBody>
@@ -11978,6 +11979,152 @@
     <p:extLst>
       <p:ext uri="{BB962C8B-B14F-4D97-AF65-F5344CB8AC3E}">
         <p14:creationId xmlns:p14="http://schemas.microsoft.com/office/powerpoint/2010/main" val="2397382435"/>
+      </p:ext>
+    </p:extLst>
+  </p:cSld>
+  <p:clrMapOvr>
+    <a:masterClrMapping/>
+  </p:clrMapOvr>
+</p:sld>
+</file>
+
+<file path=ppt/slides/slide9.xml><?xml version="1.0" encoding="utf-8"?>
+<p:sld xmlns:a="http://schemas.openxmlformats.org/drawingml/2006/main" xmlns:r="http://schemas.openxmlformats.org/officeDocument/2006/relationships" xmlns:p="http://schemas.openxmlformats.org/presentationml/2006/main">
+  <p:cSld>
+    <p:spTree>
+      <p:nvGrpSpPr>
+        <p:cNvPr id="1" name=""/>
+        <p:cNvGrpSpPr/>
+        <p:nvPr/>
+      </p:nvGrpSpPr>
+      <p:grpSpPr>
+        <a:xfrm>
+          <a:off x="0" y="0"/>
+          <a:ext cx="0" cy="0"/>
+          <a:chOff x="0" y="0"/>
+          <a:chExt cx="0" cy="0"/>
+        </a:xfrm>
+      </p:grpSpPr>
+      <p:sp>
+        <p:nvSpPr>
+          <p:cNvPr id="2" name="Title 1">
+            <a:extLst>
+              <a:ext uri="{FF2B5EF4-FFF2-40B4-BE49-F238E27FC236}">
+                <a16:creationId xmlns:a16="http://schemas.microsoft.com/office/drawing/2014/main" id="{1E51E5A3-59BF-6F4E-BC16-BE0894E0EECD}"/>
+              </a:ext>
+            </a:extLst>
+          </p:cNvPr>
+          <p:cNvSpPr>
+            <a:spLocks noGrp="1"/>
+          </p:cNvSpPr>
+          <p:nvPr>
+            <p:ph type="title"/>
+          </p:nvPr>
+        </p:nvSpPr>
+        <p:spPr/>
+        <p:txBody>
+          <a:bodyPr/>
+          <a:lstStyle/>
+          <a:p>
+            <a:r>
+              <a:rPr lang="en-US" dirty="0"/>
+              <a:t>HW4 last Q score rubrics</a:t>
+            </a:r>
+          </a:p>
+        </p:txBody>
+      </p:sp>
+      <p:sp>
+        <p:nvSpPr>
+          <p:cNvPr id="4" name="Rectangle 3">
+            <a:extLst>
+              <a:ext uri="{FF2B5EF4-FFF2-40B4-BE49-F238E27FC236}">
+                <a16:creationId xmlns:a16="http://schemas.microsoft.com/office/drawing/2014/main" id="{5866AD61-A6C9-7840-B5E0-823D0611BE00}"/>
+              </a:ext>
+            </a:extLst>
+          </p:cNvPr>
+          <p:cNvSpPr/>
+          <p:nvPr/>
+        </p:nvSpPr>
+        <p:spPr>
+          <a:xfrm>
+            <a:off x="2329543" y="2422381"/>
+            <a:ext cx="7532914" cy="2862322"/>
+          </a:xfrm>
+          <a:prstGeom prst="rect">
+            <a:avLst/>
+          </a:prstGeom>
+        </p:spPr>
+        <p:txBody>
+          <a:bodyPr wrap="square">
+            <a:spAutoFit/>
+          </a:bodyPr>
+          <a:lstStyle/>
+          <a:p>
+            <a:r>
+              <a:rPr lang="en-US" dirty="0"/>
+              <a:t>&lt; 0.2 = 1 point (11 students)</a:t>
+            </a:r>
+          </a:p>
+          <a:p>
+            <a:r>
+              <a:rPr lang="en-US" dirty="0"/>
+              <a:t>0.2 - 0.3 = 2 (6)</a:t>
+            </a:r>
+          </a:p>
+          <a:p>
+            <a:r>
+              <a:rPr lang="en-US" dirty="0"/>
+              <a:t>0.3 - 0.6 = 3 (15)</a:t>
+            </a:r>
+          </a:p>
+          <a:p>
+            <a:r>
+              <a:rPr lang="en-US" dirty="0"/>
+              <a:t>0.6 - 0.8 = 4 (6)</a:t>
+            </a:r>
+          </a:p>
+          <a:p>
+            <a:r>
+              <a:rPr lang="en-US" dirty="0"/>
+              <a:t>0.8 - 0.850 = 5 (7)</a:t>
+            </a:r>
+          </a:p>
+          <a:p>
+            <a:r>
+              <a:rPr lang="en-US" dirty="0"/>
+              <a:t>0.85 - 0.87 = 6 (36)</a:t>
+            </a:r>
+          </a:p>
+          <a:p>
+            <a:r>
+              <a:rPr lang="en-US" dirty="0"/>
+              <a:t>0.87 - 0.89 = 7 (62)</a:t>
+            </a:r>
+          </a:p>
+          <a:p>
+            <a:r>
+              <a:rPr lang="en-US" dirty="0"/>
+              <a:t>0.89 - 0.91 = 8 (48)</a:t>
+            </a:r>
+          </a:p>
+          <a:p>
+            <a:r>
+              <a:rPr lang="en-US" dirty="0"/>
+              <a:t>0.91 - 0.93 = 9 (18)</a:t>
+            </a:r>
+          </a:p>
+          <a:p>
+            <a:r>
+              <a:rPr lang="en-US" dirty="0"/>
+              <a:t>&gt;0.93 = 10 (2)</a:t>
+            </a:r>
+          </a:p>
+        </p:txBody>
+      </p:sp>
+    </p:spTree>
+    <p:extLst>
+      <p:ext uri="{BB962C8B-B14F-4D97-AF65-F5344CB8AC3E}">
+        <p14:creationId xmlns:p14="http://schemas.microsoft.com/office/powerpoint/2010/main" val="1390624571"/>
       </p:ext>
     </p:extLst>
   </p:cSld>
